--- a/pics/negative_frequency/pics.pptx
+++ b/pics/negative_frequency/pics.pptx
@@ -3456,7 +3456,7 @@
                               <a:rPr lang="en-US" altLang="ko-KR" sz="9600" b="0" i="1" smtClean="0">
                                 <a:latin typeface="Cambria Math" panose="02040503050406030204" pitchFamily="18" charset="0"/>
                               </a:rPr>
-                              <m:t>−</m:t>
+                              <m:t>+</m:t>
                             </m:r>
                             <m:sSup>
                               <m:sSupPr>

--- a/pics/negative_frequency/pics.pptx
+++ b/pics/negative_frequency/pics.pptx
@@ -6,6 +6,7 @@
   </p:sldMasterIdLst>
   <p:sldIdLst>
     <p:sldId id="256" r:id="rId2"/>
+    <p:sldId id="257" r:id="rId3"/>
   </p:sldIdLst>
   <p:sldSz cx="12192000" cy="6858000"/>
   <p:notesSz cx="6858000" cy="9144000"/>
@@ -104,6 +105,11 @@
       </a:defRPr>
     </a:lvl9pPr>
   </p:defaultTextStyle>
+  <p:extLst>
+    <p:ext uri="{EFAFB233-063F-42B5-8137-9DF3F51BA10A}">
+      <p15:sldGuideLst xmlns:p15="http://schemas.microsoft.com/office/powerpoint/2012/main"/>
+    </p:ext>
+  </p:extLst>
 </p:presentation>
 </file>
 
@@ -254,7 +260,7 @@
           <a:p>
             <a:fld id="{03D2524F-FA8A-4FC0-AAB7-6D80B8B7F13A}" type="datetimeFigureOut">
               <a:rPr lang="ko-KR" altLang="en-US" smtClean="0"/>
-              <a:t>2019-07-25</a:t>
+              <a:t>2023-04-19</a:t>
             </a:fld>
             <a:endParaRPr lang="ko-KR" altLang="en-US"/>
           </a:p>
@@ -452,7 +458,7 @@
           <a:p>
             <a:fld id="{03D2524F-FA8A-4FC0-AAB7-6D80B8B7F13A}" type="datetimeFigureOut">
               <a:rPr lang="ko-KR" altLang="en-US" smtClean="0"/>
-              <a:t>2019-07-25</a:t>
+              <a:t>2023-04-19</a:t>
             </a:fld>
             <a:endParaRPr lang="ko-KR" altLang="en-US"/>
           </a:p>
@@ -660,7 +666,7 @@
           <a:p>
             <a:fld id="{03D2524F-FA8A-4FC0-AAB7-6D80B8B7F13A}" type="datetimeFigureOut">
               <a:rPr lang="ko-KR" altLang="en-US" smtClean="0"/>
-              <a:t>2019-07-25</a:t>
+              <a:t>2023-04-19</a:t>
             </a:fld>
             <a:endParaRPr lang="ko-KR" altLang="en-US"/>
           </a:p>
@@ -858,7 +864,7 @@
           <a:p>
             <a:fld id="{03D2524F-FA8A-4FC0-AAB7-6D80B8B7F13A}" type="datetimeFigureOut">
               <a:rPr lang="ko-KR" altLang="en-US" smtClean="0"/>
-              <a:t>2019-07-25</a:t>
+              <a:t>2023-04-19</a:t>
             </a:fld>
             <a:endParaRPr lang="ko-KR" altLang="en-US"/>
           </a:p>
@@ -1133,7 +1139,7 @@
           <a:p>
             <a:fld id="{03D2524F-FA8A-4FC0-AAB7-6D80B8B7F13A}" type="datetimeFigureOut">
               <a:rPr lang="ko-KR" altLang="en-US" smtClean="0"/>
-              <a:t>2019-07-25</a:t>
+              <a:t>2023-04-19</a:t>
             </a:fld>
             <a:endParaRPr lang="ko-KR" altLang="en-US"/>
           </a:p>
@@ -1398,7 +1404,7 @@
           <a:p>
             <a:fld id="{03D2524F-FA8A-4FC0-AAB7-6D80B8B7F13A}" type="datetimeFigureOut">
               <a:rPr lang="ko-KR" altLang="en-US" smtClean="0"/>
-              <a:t>2019-07-25</a:t>
+              <a:t>2023-04-19</a:t>
             </a:fld>
             <a:endParaRPr lang="ko-KR" altLang="en-US"/>
           </a:p>
@@ -1810,7 +1816,7 @@
           <a:p>
             <a:fld id="{03D2524F-FA8A-4FC0-AAB7-6D80B8B7F13A}" type="datetimeFigureOut">
               <a:rPr lang="ko-KR" altLang="en-US" smtClean="0"/>
-              <a:t>2019-07-25</a:t>
+              <a:t>2023-04-19</a:t>
             </a:fld>
             <a:endParaRPr lang="ko-KR" altLang="en-US"/>
           </a:p>
@@ -1951,7 +1957,7 @@
           <a:p>
             <a:fld id="{03D2524F-FA8A-4FC0-AAB7-6D80B8B7F13A}" type="datetimeFigureOut">
               <a:rPr lang="ko-KR" altLang="en-US" smtClean="0"/>
-              <a:t>2019-07-25</a:t>
+              <a:t>2023-04-19</a:t>
             </a:fld>
             <a:endParaRPr lang="ko-KR" altLang="en-US"/>
           </a:p>
@@ -2064,7 +2070,7 @@
           <a:p>
             <a:fld id="{03D2524F-FA8A-4FC0-AAB7-6D80B8B7F13A}" type="datetimeFigureOut">
               <a:rPr lang="ko-KR" altLang="en-US" smtClean="0"/>
-              <a:t>2019-07-25</a:t>
+              <a:t>2023-04-19</a:t>
             </a:fld>
             <a:endParaRPr lang="ko-KR" altLang="en-US"/>
           </a:p>
@@ -2375,7 +2381,7 @@
           <a:p>
             <a:fld id="{03D2524F-FA8A-4FC0-AAB7-6D80B8B7F13A}" type="datetimeFigureOut">
               <a:rPr lang="ko-KR" altLang="en-US" smtClean="0"/>
-              <a:t>2019-07-25</a:t>
+              <a:t>2023-04-19</a:t>
             </a:fld>
             <a:endParaRPr lang="ko-KR" altLang="en-US"/>
           </a:p>
@@ -2663,7 +2669,7 @@
           <a:p>
             <a:fld id="{03D2524F-FA8A-4FC0-AAB7-6D80B8B7F13A}" type="datetimeFigureOut">
               <a:rPr lang="ko-KR" altLang="en-US" smtClean="0"/>
-              <a:t>2019-07-25</a:t>
+              <a:t>2023-04-19</a:t>
             </a:fld>
             <a:endParaRPr lang="ko-KR" altLang="en-US"/>
           </a:p>
@@ -2904,7 +2910,7 @@
           <a:p>
             <a:fld id="{03D2524F-FA8A-4FC0-AAB7-6D80B8B7F13A}" type="datetimeFigureOut">
               <a:rPr lang="ko-KR" altLang="en-US" smtClean="0"/>
-              <a:t>2019-07-25</a:t>
+              <a:t>2023-04-19</a:t>
             </a:fld>
             <a:endParaRPr lang="ko-KR" altLang="en-US"/>
           </a:p>
@@ -3341,8 +3347,8 @@
             <a:chExt cx="10319777" cy="4802257"/>
           </a:xfrm>
         </p:grpSpPr>
-        <mc:AlternateContent xmlns:mc="http://schemas.openxmlformats.org/markup-compatibility/2006">
-          <mc:Choice xmlns:a14="http://schemas.microsoft.com/office/drawing/2010/main" Requires="a14">
+        <mc:AlternateContent xmlns:mc="http://schemas.openxmlformats.org/markup-compatibility/2006" xmlns:a14="http://schemas.microsoft.com/office/drawing/2010/main">
+          <mc:Choice Requires="a14">
             <p:sp>
               <p:nvSpPr>
                 <p:cNvPr id="4" name="TextBox 3">
@@ -3513,7 +3519,7 @@
               </p:txBody>
             </p:sp>
           </mc:Choice>
-          <mc:Fallback>
+          <mc:Fallback xmlns="">
             <p:sp>
               <p:nvSpPr>
                 <p:cNvPr id="4" name="TextBox 3">
@@ -4008,6 +4014,705 @@
 </p:sld>
 </file>
 
+<file path=ppt/slides/slide2.xml><?xml version="1.0" encoding="utf-8"?>
+<p:sld xmlns:a="http://schemas.openxmlformats.org/drawingml/2006/main" xmlns:r="http://schemas.openxmlformats.org/officeDocument/2006/relationships" xmlns:p="http://schemas.openxmlformats.org/presentationml/2006/main">
+  <p:cSld>
+    <p:spTree>
+      <p:nvGrpSpPr>
+        <p:cNvPr id="1" name=""/>
+        <p:cNvGrpSpPr/>
+        <p:nvPr/>
+      </p:nvGrpSpPr>
+      <p:grpSpPr>
+        <a:xfrm>
+          <a:off x="0" y="0"/>
+          <a:ext cx="0" cy="0"/>
+          <a:chOff x="0" y="0"/>
+          <a:chExt cx="0" cy="0"/>
+        </a:xfrm>
+      </p:grpSpPr>
+      <p:grpSp>
+        <p:nvGrpSpPr>
+          <p:cNvPr id="13" name="그룹 12">
+            <a:extLst>
+              <a:ext uri="{FF2B5EF4-FFF2-40B4-BE49-F238E27FC236}">
+                <a16:creationId xmlns:a16="http://schemas.microsoft.com/office/drawing/2014/main" id="{49539C54-6BC6-4957-95BC-4311CC99EEC2}"/>
+              </a:ext>
+            </a:extLst>
+          </p:cNvPr>
+          <p:cNvGrpSpPr/>
+          <p:nvPr/>
+        </p:nvGrpSpPr>
+        <p:grpSpPr>
+          <a:xfrm>
+            <a:off x="936112" y="700650"/>
+            <a:ext cx="10281276" cy="5129479"/>
+            <a:chOff x="1282375" y="738104"/>
+            <a:chExt cx="10281276" cy="5129479"/>
+          </a:xfrm>
+        </p:grpSpPr>
+        <mc:AlternateContent xmlns:mc="http://schemas.openxmlformats.org/markup-compatibility/2006" xmlns:a14="http://schemas.microsoft.com/office/drawing/2010/main">
+          <mc:Choice Requires="a14">
+            <p:sp>
+              <p:nvSpPr>
+                <p:cNvPr id="4" name="TextBox 3">
+                  <a:extLst>
+                    <a:ext uri="{FF2B5EF4-FFF2-40B4-BE49-F238E27FC236}">
+                      <a16:creationId xmlns:a16="http://schemas.microsoft.com/office/drawing/2014/main" id="{38E9E442-E996-4B85-9BF2-F77D26BBF478}"/>
+                    </a:ext>
+                  </a:extLst>
+                </p:cNvPr>
+                <p:cNvSpPr txBox="1"/>
+                <p:nvPr/>
+              </p:nvSpPr>
+              <p:spPr>
+                <a:xfrm>
+                  <a:off x="1282375" y="1870785"/>
+                  <a:ext cx="10281276" cy="3116431"/>
+                </a:xfrm>
+                <a:prstGeom prst="rect">
+                  <a:avLst/>
+                </a:prstGeom>
+                <a:noFill/>
+              </p:spPr>
+              <p:txBody>
+                <a:bodyPr wrap="none" rtlCol="0" anchor="ctr">
+                  <a:spAutoFit/>
+                </a:bodyPr>
+                <a:lstStyle/>
+                <a:p>
+                  <a:pPr/>
+                  <a14:m>
+                    <m:oMathPara xmlns:m="http://schemas.openxmlformats.org/officeDocument/2006/math">
+                      <m:oMathParaPr>
+                        <m:jc m:val="center"/>
+                      </m:oMathParaPr>
+                      <m:oMath xmlns:m="http://schemas.openxmlformats.org/officeDocument/2006/math">
+                        <m:func>
+                          <m:funcPr>
+                            <m:ctrlPr>
+                              <a:rPr lang="en-US" altLang="ko-KR" sz="9600" b="0" i="1" smtClean="0">
+                                <a:latin typeface="Cambria Math" panose="02040503050406030204" pitchFamily="18" charset="0"/>
+                              </a:rPr>
+                            </m:ctrlPr>
+                          </m:funcPr>
+                          <m:fName>
+                            <m:r>
+                              <m:rPr>
+                                <m:sty m:val="p"/>
+                              </m:rPr>
+                              <a:rPr lang="en-US" altLang="ko-KR" sz="9600" i="0" smtClean="0">
+                                <a:latin typeface="Cambria Math" panose="02040503050406030204" pitchFamily="18" charset="0"/>
+                              </a:rPr>
+                              <m:t>cos</m:t>
+                            </m:r>
+                          </m:fName>
+                          <m:e>
+                            <m:r>
+                              <a:rPr lang="en-US" altLang="ko-KR" sz="9600" b="0" i="1" smtClean="0">
+                                <a:latin typeface="Cambria Math" panose="02040503050406030204" pitchFamily="18" charset="0"/>
+                              </a:rPr>
+                              <m:t>𝜃</m:t>
+                            </m:r>
+                          </m:e>
+                        </m:func>
+                        <m:r>
+                          <a:rPr lang="en-US" altLang="ko-KR" sz="9600" b="0" i="1" smtClean="0">
+                            <a:latin typeface="Cambria Math" panose="02040503050406030204" pitchFamily="18" charset="0"/>
+                          </a:rPr>
+                          <m:t>=</m:t>
+                        </m:r>
+                        <m:f>
+                          <m:fPr>
+                            <m:ctrlPr>
+                              <a:rPr lang="en-US" altLang="ko-KR" sz="9600" b="0" i="1" smtClean="0">
+                                <a:latin typeface="Cambria Math" panose="02040503050406030204" pitchFamily="18" charset="0"/>
+                              </a:rPr>
+                            </m:ctrlPr>
+                          </m:fPr>
+                          <m:num>
+                            <m:sSup>
+                              <m:sSupPr>
+                                <m:ctrlPr>
+                                  <a:rPr lang="en-US" altLang="ko-KR" sz="9600" b="0" i="1" smtClean="0">
+                                    <a:latin typeface="Cambria Math" panose="02040503050406030204" pitchFamily="18" charset="0"/>
+                                  </a:rPr>
+                                </m:ctrlPr>
+                              </m:sSupPr>
+                              <m:e>
+                                <m:r>
+                                  <a:rPr lang="en-US" altLang="ko-KR" sz="9600" b="0" i="1" smtClean="0">
+                                    <a:latin typeface="Cambria Math" panose="02040503050406030204" pitchFamily="18" charset="0"/>
+                                  </a:rPr>
+                                  <m:t>𝑒</m:t>
+                                </m:r>
+                              </m:e>
+                              <m:sup>
+                                <m:r>
+                                  <a:rPr lang="en-US" altLang="ko-KR" sz="9600" b="0" i="1" smtClean="0">
+                                    <a:latin typeface="Cambria Math" panose="02040503050406030204" pitchFamily="18" charset="0"/>
+                                  </a:rPr>
+                                  <m:t>𝑖</m:t>
+                                </m:r>
+                                <m:r>
+                                  <a:rPr lang="en-US" altLang="ko-KR" sz="9600" b="0" i="1" smtClean="0">
+                                    <a:latin typeface="Cambria Math" panose="02040503050406030204" pitchFamily="18" charset="0"/>
+                                  </a:rPr>
+                                  <m:t>𝜃</m:t>
+                                </m:r>
+                              </m:sup>
+                            </m:sSup>
+                            <m:r>
+                              <a:rPr lang="en-US" altLang="ko-KR" sz="9600" b="0" i="1" smtClean="0">
+                                <a:latin typeface="Cambria Math" panose="02040503050406030204" pitchFamily="18" charset="0"/>
+                              </a:rPr>
+                              <m:t>+</m:t>
+                            </m:r>
+                            <m:sSup>
+                              <m:sSupPr>
+                                <m:ctrlPr>
+                                  <a:rPr lang="en-US" altLang="ko-KR" sz="9600" b="0" i="1" smtClean="0">
+                                    <a:latin typeface="Cambria Math" panose="02040503050406030204" pitchFamily="18" charset="0"/>
+                                  </a:rPr>
+                                </m:ctrlPr>
+                              </m:sSupPr>
+                              <m:e>
+                                <m:r>
+                                  <a:rPr lang="en-US" altLang="ko-KR" sz="9600" b="0" i="1" smtClean="0">
+                                    <a:latin typeface="Cambria Math" panose="02040503050406030204" pitchFamily="18" charset="0"/>
+                                  </a:rPr>
+                                  <m:t>𝑒</m:t>
+                                </m:r>
+                              </m:e>
+                              <m:sup>
+                                <m:r>
+                                  <a:rPr lang="en-US" altLang="ko-KR" sz="9600" b="0" i="1" smtClean="0">
+                                    <a:latin typeface="Cambria Math" panose="02040503050406030204" pitchFamily="18" charset="0"/>
+                                  </a:rPr>
+                                  <m:t>−</m:t>
+                                </m:r>
+                                <m:r>
+                                  <a:rPr lang="en-US" altLang="ko-KR" sz="9600" b="0" i="1" smtClean="0">
+                                    <a:latin typeface="Cambria Math" panose="02040503050406030204" pitchFamily="18" charset="0"/>
+                                  </a:rPr>
+                                  <m:t>𝑖</m:t>
+                                </m:r>
+                                <m:r>
+                                  <a:rPr lang="en-US" altLang="ko-KR" sz="9600" b="0" i="1" smtClean="0">
+                                    <a:latin typeface="Cambria Math" panose="02040503050406030204" pitchFamily="18" charset="0"/>
+                                  </a:rPr>
+                                  <m:t>𝜃</m:t>
+                                </m:r>
+                              </m:sup>
+                            </m:sSup>
+                          </m:num>
+                          <m:den>
+                            <m:r>
+                              <a:rPr lang="en-US" altLang="ko-KR" sz="9600" b="0" i="1" smtClean="0">
+                                <a:latin typeface="Cambria Math" panose="02040503050406030204" pitchFamily="18" charset="0"/>
+                              </a:rPr>
+                              <m:t>2</m:t>
+                            </m:r>
+                          </m:den>
+                        </m:f>
+                      </m:oMath>
+                    </m:oMathPara>
+                  </a14:m>
+                  <a:endParaRPr lang="ko-KR" altLang="en-US" sz="9600" dirty="0"/>
+                </a:p>
+              </p:txBody>
+            </p:sp>
+          </mc:Choice>
+          <mc:Fallback xmlns="">
+            <p:sp>
+              <p:nvSpPr>
+                <p:cNvPr id="4" name="TextBox 3">
+                  <a:extLst>
+                    <a:ext uri="{FF2B5EF4-FFF2-40B4-BE49-F238E27FC236}">
+                      <a16:creationId xmlns:a16="http://schemas.microsoft.com/office/drawing/2014/main" id="{38E9E442-E996-4B85-9BF2-F77D26BBF478}"/>
+                    </a:ext>
+                  </a:extLst>
+                </p:cNvPr>
+                <p:cNvSpPr txBox="1">
+                  <a:spLocks noRot="1" noChangeAspect="1" noMove="1" noResize="1" noEditPoints="1" noAdjustHandles="1" noChangeArrowheads="1" noChangeShapeType="1" noTextEdit="1"/>
+                </p:cNvSpPr>
+                <p:nvPr/>
+              </p:nvSpPr>
+              <p:spPr>
+                <a:xfrm>
+                  <a:off x="1282375" y="1870785"/>
+                  <a:ext cx="10281276" cy="3116431"/>
+                </a:xfrm>
+                <a:prstGeom prst="rect">
+                  <a:avLst/>
+                </a:prstGeom>
+                <a:blipFill>
+                  <a:blip r:embed="rId2"/>
+                  <a:stretch>
+                    <a:fillRect/>
+                  </a:stretch>
+                </a:blipFill>
+              </p:spPr>
+              <p:txBody>
+                <a:bodyPr/>
+                <a:lstStyle/>
+                <a:p>
+                  <a:r>
+                    <a:rPr lang="ko-KR" altLang="en-US">
+                      <a:noFill/>
+                    </a:rPr>
+                    <a:t> </a:t>
+                  </a:r>
+                </a:p>
+              </p:txBody>
+            </p:sp>
+          </mc:Fallback>
+        </mc:AlternateContent>
+        <p:sp>
+          <p:nvSpPr>
+            <p:cNvPr id="5" name="타원 4">
+              <a:extLst>
+                <a:ext uri="{FF2B5EF4-FFF2-40B4-BE49-F238E27FC236}">
+                  <a16:creationId xmlns:a16="http://schemas.microsoft.com/office/drawing/2014/main" id="{16AB3273-B0C5-4282-9E25-8E25398349F2}"/>
+                </a:ext>
+              </a:extLst>
+            </p:cNvPr>
+            <p:cNvSpPr/>
+            <p:nvPr/>
+          </p:nvSpPr>
+          <p:spPr>
+            <a:xfrm>
+              <a:off x="5517002" y="1717022"/>
+              <a:ext cx="2149334" cy="1928067"/>
+            </a:xfrm>
+            <a:prstGeom prst="ellipse">
+              <a:avLst/>
+            </a:prstGeom>
+            <a:noFill/>
+            <a:ln w="57150">
+              <a:solidFill>
+                <a:schemeClr val="accent1"/>
+              </a:solidFill>
+              <a:prstDash val="sysDot"/>
+            </a:ln>
+          </p:spPr>
+          <p:style>
+            <a:lnRef idx="2">
+              <a:schemeClr val="accent1">
+                <a:shade val="50000"/>
+              </a:schemeClr>
+            </a:lnRef>
+            <a:fillRef idx="1">
+              <a:schemeClr val="accent1"/>
+            </a:fillRef>
+            <a:effectRef idx="0">
+              <a:schemeClr val="accent1"/>
+            </a:effectRef>
+            <a:fontRef idx="minor">
+              <a:schemeClr val="lt1"/>
+            </a:fontRef>
+          </p:style>
+          <p:txBody>
+            <a:bodyPr rtlCol="0" anchor="ctr"/>
+            <a:lstStyle/>
+            <a:p>
+              <a:pPr algn="ctr"/>
+              <a:endParaRPr lang="ko-KR" altLang="en-US"/>
+            </a:p>
+          </p:txBody>
+        </p:sp>
+        <p:sp>
+          <p:nvSpPr>
+            <p:cNvPr id="6" name="타원 5">
+              <a:extLst>
+                <a:ext uri="{FF2B5EF4-FFF2-40B4-BE49-F238E27FC236}">
+                  <a16:creationId xmlns:a16="http://schemas.microsoft.com/office/drawing/2014/main" id="{A086E92C-2F6E-459C-89BC-1B05D6D45259}"/>
+                </a:ext>
+              </a:extLst>
+            </p:cNvPr>
+            <p:cNvSpPr/>
+            <p:nvPr/>
+          </p:nvSpPr>
+          <p:spPr>
+            <a:xfrm>
+              <a:off x="8724779" y="1717022"/>
+              <a:ext cx="2647516" cy="1928067"/>
+            </a:xfrm>
+            <a:prstGeom prst="ellipse">
+              <a:avLst/>
+            </a:prstGeom>
+            <a:noFill/>
+            <a:ln w="57150">
+              <a:solidFill>
+                <a:schemeClr val="accent2"/>
+              </a:solidFill>
+              <a:prstDash val="sysDot"/>
+            </a:ln>
+          </p:spPr>
+          <p:style>
+            <a:lnRef idx="2">
+              <a:schemeClr val="accent1">
+                <a:shade val="50000"/>
+              </a:schemeClr>
+            </a:lnRef>
+            <a:fillRef idx="1">
+              <a:schemeClr val="accent1"/>
+            </a:fillRef>
+            <a:effectRef idx="0">
+              <a:schemeClr val="accent1"/>
+            </a:effectRef>
+            <a:fontRef idx="minor">
+              <a:schemeClr val="lt1"/>
+            </a:fontRef>
+          </p:style>
+          <p:txBody>
+            <a:bodyPr rtlCol="0" anchor="ctr"/>
+            <a:lstStyle/>
+            <a:p>
+              <a:pPr algn="ctr"/>
+              <a:endParaRPr lang="ko-KR" altLang="en-US"/>
+            </a:p>
+          </p:txBody>
+        </p:sp>
+        <p:sp>
+          <p:nvSpPr>
+            <p:cNvPr id="7" name="TextBox 6">
+              <a:extLst>
+                <a:ext uri="{FF2B5EF4-FFF2-40B4-BE49-F238E27FC236}">
+                  <a16:creationId xmlns:a16="http://schemas.microsoft.com/office/drawing/2014/main" id="{AA3019EA-BCCA-4807-9C68-AA26A757B393}"/>
+                </a:ext>
+              </a:extLst>
+            </p:cNvPr>
+            <p:cNvSpPr txBox="1"/>
+            <p:nvPr/>
+          </p:nvSpPr>
+          <p:spPr>
+            <a:xfrm>
+              <a:off x="5301766" y="738104"/>
+              <a:ext cx="2489464" cy="954107"/>
+            </a:xfrm>
+            <a:prstGeom prst="rect">
+              <a:avLst/>
+            </a:prstGeom>
+            <a:noFill/>
+          </p:spPr>
+          <p:txBody>
+            <a:bodyPr wrap="none" rtlCol="0">
+              <a:spAutoFit/>
+            </a:bodyPr>
+            <a:lstStyle/>
+            <a:p>
+              <a:pPr algn="ctr"/>
+              <a:r>
+                <a:rPr lang="en-US" altLang="ko-KR" sz="2800" dirty="0">
+                  <a:solidFill>
+                    <a:schemeClr val="accent1"/>
+                  </a:solidFill>
+                  <a:latin typeface="KoPub돋움체 Bold" panose="00000800000000000000" pitchFamily="2" charset="-127"/>
+                  <a:ea typeface="KoPub돋움체 Bold" panose="00000800000000000000" pitchFamily="2" charset="-127"/>
+                </a:rPr>
+                <a:t>Positive(CCW)</a:t>
+              </a:r>
+            </a:p>
+            <a:p>
+              <a:pPr algn="ctr"/>
+              <a:r>
+                <a:rPr lang="en-US" altLang="ko-KR" sz="2800" dirty="0">
+                  <a:solidFill>
+                    <a:schemeClr val="accent1"/>
+                  </a:solidFill>
+                  <a:latin typeface="KoPub돋움체 Bold" panose="00000800000000000000" pitchFamily="2" charset="-127"/>
+                  <a:ea typeface="KoPub돋움체 Bold" panose="00000800000000000000" pitchFamily="2" charset="-127"/>
+                </a:rPr>
+                <a:t>rotation</a:t>
+              </a:r>
+              <a:endParaRPr lang="ko-KR" altLang="en-US" sz="2800" dirty="0">
+                <a:solidFill>
+                  <a:schemeClr val="accent1"/>
+                </a:solidFill>
+                <a:latin typeface="KoPub돋움체 Bold" panose="00000800000000000000" pitchFamily="2" charset="-127"/>
+                <a:ea typeface="KoPub돋움체 Bold" panose="00000800000000000000" pitchFamily="2" charset="-127"/>
+              </a:endParaRPr>
+            </a:p>
+          </p:txBody>
+        </p:sp>
+        <p:sp>
+          <p:nvSpPr>
+            <p:cNvPr id="8" name="TextBox 7">
+              <a:extLst>
+                <a:ext uri="{FF2B5EF4-FFF2-40B4-BE49-F238E27FC236}">
+                  <a16:creationId xmlns:a16="http://schemas.microsoft.com/office/drawing/2014/main" id="{6E2D6112-6D29-4140-9C49-B453C1681824}"/>
+                </a:ext>
+              </a:extLst>
+            </p:cNvPr>
+            <p:cNvSpPr txBox="1"/>
+            <p:nvPr/>
+          </p:nvSpPr>
+          <p:spPr>
+            <a:xfrm>
+              <a:off x="8834294" y="738104"/>
+              <a:ext cx="2428485" cy="954107"/>
+            </a:xfrm>
+            <a:prstGeom prst="rect">
+              <a:avLst/>
+            </a:prstGeom>
+            <a:noFill/>
+          </p:spPr>
+          <p:txBody>
+            <a:bodyPr wrap="none" rtlCol="0">
+              <a:spAutoFit/>
+            </a:bodyPr>
+            <a:lstStyle/>
+            <a:p>
+              <a:pPr algn="ctr"/>
+              <a:r>
+                <a:rPr lang="en-US" altLang="ko-KR" sz="2800" dirty="0">
+                  <a:solidFill>
+                    <a:schemeClr val="accent2"/>
+                  </a:solidFill>
+                  <a:latin typeface="KoPub돋움체 Bold" panose="00000800000000000000" pitchFamily="2" charset="-127"/>
+                  <a:ea typeface="KoPub돋움체 Bold" panose="00000800000000000000" pitchFamily="2" charset="-127"/>
+                </a:rPr>
+                <a:t>Negative(CW)</a:t>
+              </a:r>
+            </a:p>
+            <a:p>
+              <a:pPr algn="ctr"/>
+              <a:r>
+                <a:rPr lang="en-US" altLang="ko-KR" sz="2800" dirty="0">
+                  <a:solidFill>
+                    <a:schemeClr val="accent2"/>
+                  </a:solidFill>
+                  <a:latin typeface="KoPub돋움체 Bold" panose="00000800000000000000" pitchFamily="2" charset="-127"/>
+                  <a:ea typeface="KoPub돋움체 Bold" panose="00000800000000000000" pitchFamily="2" charset="-127"/>
+                </a:rPr>
+                <a:t>rotation</a:t>
+              </a:r>
+              <a:endParaRPr lang="ko-KR" altLang="en-US" sz="2800" dirty="0">
+                <a:solidFill>
+                  <a:schemeClr val="accent2"/>
+                </a:solidFill>
+                <a:latin typeface="KoPub돋움체 Bold" panose="00000800000000000000" pitchFamily="2" charset="-127"/>
+                <a:ea typeface="KoPub돋움체 Bold" panose="00000800000000000000" pitchFamily="2" charset="-127"/>
+              </a:endParaRPr>
+            </a:p>
+          </p:txBody>
+        </p:sp>
+        <p:sp>
+          <p:nvSpPr>
+            <p:cNvPr id="9" name="타원 8">
+              <a:extLst>
+                <a:ext uri="{FF2B5EF4-FFF2-40B4-BE49-F238E27FC236}">
+                  <a16:creationId xmlns:a16="http://schemas.microsoft.com/office/drawing/2014/main" id="{6B0AACE8-2E7C-4192-A333-0B6726DA4609}"/>
+                </a:ext>
+              </a:extLst>
+            </p:cNvPr>
+            <p:cNvSpPr/>
+            <p:nvPr/>
+          </p:nvSpPr>
+          <p:spPr>
+            <a:xfrm>
+              <a:off x="7791230" y="3975071"/>
+              <a:ext cx="1429306" cy="1282164"/>
+            </a:xfrm>
+            <a:prstGeom prst="ellipse">
+              <a:avLst/>
+            </a:prstGeom>
+            <a:noFill/>
+            <a:ln w="57150">
+              <a:solidFill>
+                <a:schemeClr val="accent3"/>
+              </a:solidFill>
+              <a:prstDash val="sysDot"/>
+            </a:ln>
+          </p:spPr>
+          <p:style>
+            <a:lnRef idx="2">
+              <a:schemeClr val="accent1">
+                <a:shade val="50000"/>
+              </a:schemeClr>
+            </a:lnRef>
+            <a:fillRef idx="1">
+              <a:schemeClr val="accent1"/>
+            </a:fillRef>
+            <a:effectRef idx="0">
+              <a:schemeClr val="accent1"/>
+            </a:effectRef>
+            <a:fontRef idx="minor">
+              <a:schemeClr val="lt1"/>
+            </a:fontRef>
+          </p:style>
+          <p:txBody>
+            <a:bodyPr rtlCol="0" anchor="ctr"/>
+            <a:lstStyle/>
+            <a:p>
+              <a:pPr algn="ctr"/>
+              <a:endParaRPr lang="ko-KR" altLang="en-US"/>
+            </a:p>
+          </p:txBody>
+        </p:sp>
+        <p:sp>
+          <p:nvSpPr>
+            <p:cNvPr id="10" name="TextBox 9">
+              <a:extLst>
+                <a:ext uri="{FF2B5EF4-FFF2-40B4-BE49-F238E27FC236}">
+                  <a16:creationId xmlns:a16="http://schemas.microsoft.com/office/drawing/2014/main" id="{DE15E281-3FA1-431D-AC2A-FE3F17CF0F9E}"/>
+                </a:ext>
+              </a:extLst>
+            </p:cNvPr>
+            <p:cNvSpPr txBox="1"/>
+            <p:nvPr/>
+          </p:nvSpPr>
+          <p:spPr>
+            <a:xfrm>
+              <a:off x="5804870" y="5344363"/>
+              <a:ext cx="5453672" cy="523220"/>
+            </a:xfrm>
+            <a:prstGeom prst="rect">
+              <a:avLst/>
+            </a:prstGeom>
+            <a:noFill/>
+          </p:spPr>
+          <p:txBody>
+            <a:bodyPr wrap="none" rtlCol="0">
+              <a:spAutoFit/>
+            </a:bodyPr>
+            <a:lstStyle/>
+            <a:p>
+              <a:r>
+                <a:rPr lang="en-US" altLang="ko-KR" sz="2800" dirty="0">
+                  <a:solidFill>
+                    <a:schemeClr val="tx1">
+                      <a:lumMod val="50000"/>
+                      <a:lumOff val="50000"/>
+                    </a:schemeClr>
+                  </a:solidFill>
+                  <a:latin typeface="KoPub돋움체 Bold" panose="00000800000000000000" pitchFamily="2" charset="-127"/>
+                  <a:ea typeface="KoPub돋움체 Bold" panose="00000800000000000000" pitchFamily="2" charset="-127"/>
+                </a:rPr>
+                <a:t>Being influenced by half and half</a:t>
+              </a:r>
+              <a:endParaRPr lang="ko-KR" altLang="en-US" sz="2800" dirty="0">
+                <a:solidFill>
+                  <a:schemeClr val="tx1">
+                    <a:lumMod val="50000"/>
+                    <a:lumOff val="50000"/>
+                  </a:schemeClr>
+                </a:solidFill>
+                <a:latin typeface="KoPub돋움체 Bold" panose="00000800000000000000" pitchFamily="2" charset="-127"/>
+                <a:ea typeface="KoPub돋움체 Bold" panose="00000800000000000000" pitchFamily="2" charset="-127"/>
+              </a:endParaRPr>
+            </a:p>
+          </p:txBody>
+        </p:sp>
+        <p:sp>
+          <p:nvSpPr>
+            <p:cNvPr id="11" name="타원 10">
+              <a:extLst>
+                <a:ext uri="{FF2B5EF4-FFF2-40B4-BE49-F238E27FC236}">
+                  <a16:creationId xmlns:a16="http://schemas.microsoft.com/office/drawing/2014/main" id="{59E69913-FA4F-4DBE-A199-318ABCDB045D}"/>
+                </a:ext>
+              </a:extLst>
+            </p:cNvPr>
+            <p:cNvSpPr/>
+            <p:nvPr/>
+          </p:nvSpPr>
+          <p:spPr>
+            <a:xfrm>
+              <a:off x="1295046" y="2782342"/>
+              <a:ext cx="3268076" cy="1928067"/>
+            </a:xfrm>
+            <a:prstGeom prst="ellipse">
+              <a:avLst/>
+            </a:prstGeom>
+            <a:noFill/>
+            <a:ln w="57150">
+              <a:solidFill>
+                <a:srgbClr val="FF0000"/>
+              </a:solidFill>
+              <a:prstDash val="sysDot"/>
+            </a:ln>
+          </p:spPr>
+          <p:style>
+            <a:lnRef idx="2">
+              <a:schemeClr val="accent1">
+                <a:shade val="50000"/>
+              </a:schemeClr>
+            </a:lnRef>
+            <a:fillRef idx="1">
+              <a:schemeClr val="accent1"/>
+            </a:fillRef>
+            <a:effectRef idx="0">
+              <a:schemeClr val="accent1"/>
+            </a:effectRef>
+            <a:fontRef idx="minor">
+              <a:schemeClr val="lt1"/>
+            </a:fontRef>
+          </p:style>
+          <p:txBody>
+            <a:bodyPr rtlCol="0" anchor="ctr"/>
+            <a:lstStyle/>
+            <a:p>
+              <a:pPr algn="ctr"/>
+              <a:endParaRPr lang="ko-KR" altLang="en-US"/>
+            </a:p>
+          </p:txBody>
+        </p:sp>
+        <p:sp>
+          <p:nvSpPr>
+            <p:cNvPr id="12" name="TextBox 11">
+              <a:extLst>
+                <a:ext uri="{FF2B5EF4-FFF2-40B4-BE49-F238E27FC236}">
+                  <a16:creationId xmlns:a16="http://schemas.microsoft.com/office/drawing/2014/main" id="{566DA94F-07C1-4F79-BB72-516D09E59DA9}"/>
+                </a:ext>
+              </a:extLst>
+            </p:cNvPr>
+            <p:cNvSpPr txBox="1"/>
+            <p:nvPr/>
+          </p:nvSpPr>
+          <p:spPr>
+            <a:xfrm>
+              <a:off x="1320875" y="4845968"/>
+              <a:ext cx="3208379" cy="523220"/>
+            </a:xfrm>
+            <a:prstGeom prst="rect">
+              <a:avLst/>
+            </a:prstGeom>
+            <a:noFill/>
+          </p:spPr>
+          <p:txBody>
+            <a:bodyPr wrap="none" rtlCol="0">
+              <a:spAutoFit/>
+            </a:bodyPr>
+            <a:lstStyle/>
+            <a:p>
+              <a:r>
+                <a:rPr lang="en-US" altLang="ko-KR" sz="2800" dirty="0">
+                  <a:solidFill>
+                    <a:srgbClr val="FF0000"/>
+                  </a:solidFill>
+                  <a:latin typeface="KoPub돋움체 Bold" panose="00000800000000000000" pitchFamily="2" charset="-127"/>
+                  <a:ea typeface="KoPub돋움체 Bold" panose="00000800000000000000" pitchFamily="2" charset="-127"/>
+                </a:rPr>
+                <a:t>Real-valued Signal</a:t>
+              </a:r>
+            </a:p>
+          </p:txBody>
+        </p:sp>
+      </p:grpSp>
+    </p:spTree>
+    <p:extLst>
+      <p:ext uri="{BB962C8B-B14F-4D97-AF65-F5344CB8AC3E}">
+        <p14:creationId xmlns:p14="http://schemas.microsoft.com/office/powerpoint/2010/main" val="61248895"/>
+      </p:ext>
+    </p:extLst>
+  </p:cSld>
+  <p:clrMapOvr>
+    <a:masterClrMapping/>
+  </p:clrMapOvr>
+</p:sld>
+</file>
+
 <file path=ppt/theme/theme1.xml><?xml version="1.0" encoding="utf-8"?>
 <a:theme xmlns:a="http://schemas.openxmlformats.org/drawingml/2006/main" name="Office 테마">
   <a:themeElements>
